--- a/OmegaFig_1_2.pptx
+++ b/OmegaFig_1_2.pptx
@@ -8,6 +8,7 @@
     <p:sldId id="258" r:id="rId2"/>
     <p:sldId id="260" r:id="rId3"/>
     <p:sldId id="261" r:id="rId4"/>
+    <p:sldId id="262" r:id="rId5"/>
   </p:sldIdLst>
   <p:sldSz cx="12192000" cy="9144000"/>
   <p:notesSz cx="6858000" cy="9144000"/>
@@ -245,7 +246,7 @@
           <a:p>
             <a:fld id="{3B978D32-6DE3-8F4F-8489-910D4278D0D5}" type="datetimeFigureOut">
               <a:rPr lang="en-US" smtClean="0"/>
-              <a:t>9/1/16</a:t>
+              <a:t>9/7/16</a:t>
             </a:fld>
             <a:endParaRPr lang="en-US"/>
           </a:p>
@@ -415,7 +416,7 @@
           <a:p>
             <a:fld id="{3B978D32-6DE3-8F4F-8489-910D4278D0D5}" type="datetimeFigureOut">
               <a:rPr lang="en-US" smtClean="0"/>
-              <a:t>9/1/16</a:t>
+              <a:t>9/7/16</a:t>
             </a:fld>
             <a:endParaRPr lang="en-US"/>
           </a:p>
@@ -595,7 +596,7 @@
           <a:p>
             <a:fld id="{3B978D32-6DE3-8F4F-8489-910D4278D0D5}" type="datetimeFigureOut">
               <a:rPr lang="en-US" smtClean="0"/>
-              <a:t>9/1/16</a:t>
+              <a:t>9/7/16</a:t>
             </a:fld>
             <a:endParaRPr lang="en-US"/>
           </a:p>
@@ -765,7 +766,7 @@
           <a:p>
             <a:fld id="{3B978D32-6DE3-8F4F-8489-910D4278D0D5}" type="datetimeFigureOut">
               <a:rPr lang="en-US" smtClean="0"/>
-              <a:t>9/1/16</a:t>
+              <a:t>9/7/16</a:t>
             </a:fld>
             <a:endParaRPr lang="en-US"/>
           </a:p>
@@ -1009,7 +1010,7 @@
           <a:p>
             <a:fld id="{3B978D32-6DE3-8F4F-8489-910D4278D0D5}" type="datetimeFigureOut">
               <a:rPr lang="en-US" smtClean="0"/>
-              <a:t>9/1/16</a:t>
+              <a:t>9/7/16</a:t>
             </a:fld>
             <a:endParaRPr lang="en-US"/>
           </a:p>
@@ -1241,7 +1242,7 @@
           <a:p>
             <a:fld id="{3B978D32-6DE3-8F4F-8489-910D4278D0D5}" type="datetimeFigureOut">
               <a:rPr lang="en-US" smtClean="0"/>
-              <a:t>9/1/16</a:t>
+              <a:t>9/7/16</a:t>
             </a:fld>
             <a:endParaRPr lang="en-US"/>
           </a:p>
@@ -1608,7 +1609,7 @@
           <a:p>
             <a:fld id="{3B978D32-6DE3-8F4F-8489-910D4278D0D5}" type="datetimeFigureOut">
               <a:rPr lang="en-US" smtClean="0"/>
-              <a:t>9/1/16</a:t>
+              <a:t>9/7/16</a:t>
             </a:fld>
             <a:endParaRPr lang="en-US"/>
           </a:p>
@@ -1726,7 +1727,7 @@
           <a:p>
             <a:fld id="{3B978D32-6DE3-8F4F-8489-910D4278D0D5}" type="datetimeFigureOut">
               <a:rPr lang="en-US" smtClean="0"/>
-              <a:t>9/1/16</a:t>
+              <a:t>9/7/16</a:t>
             </a:fld>
             <a:endParaRPr lang="en-US"/>
           </a:p>
@@ -1821,7 +1822,7 @@
           <a:p>
             <a:fld id="{3B978D32-6DE3-8F4F-8489-910D4278D0D5}" type="datetimeFigureOut">
               <a:rPr lang="en-US" smtClean="0"/>
-              <a:t>9/1/16</a:t>
+              <a:t>9/7/16</a:t>
             </a:fld>
             <a:endParaRPr lang="en-US"/>
           </a:p>
@@ -2098,7 +2099,7 @@
           <a:p>
             <a:fld id="{3B978D32-6DE3-8F4F-8489-910D4278D0D5}" type="datetimeFigureOut">
               <a:rPr lang="en-US" smtClean="0"/>
-              <a:t>9/1/16</a:t>
+              <a:t>9/7/16</a:t>
             </a:fld>
             <a:endParaRPr lang="en-US"/>
           </a:p>
@@ -2355,7 +2356,7 @@
           <a:p>
             <a:fld id="{3B978D32-6DE3-8F4F-8489-910D4278D0D5}" type="datetimeFigureOut">
               <a:rPr lang="en-US" smtClean="0"/>
-              <a:t>9/1/16</a:t>
+              <a:t>9/7/16</a:t>
             </a:fld>
             <a:endParaRPr lang="en-US"/>
           </a:p>
@@ -2568,7 +2569,7 @@
           <a:p>
             <a:fld id="{3B978D32-6DE3-8F4F-8489-910D4278D0D5}" type="datetimeFigureOut">
               <a:rPr lang="en-US" smtClean="0"/>
-              <a:t>9/1/16</a:t>
+              <a:t>9/7/16</a:t>
             </a:fld>
             <a:endParaRPr lang="en-US"/>
           </a:p>
@@ -4138,11 +4139,7 @@
             <a:pPr algn="ctr"/>
             <a:r>
               <a:rPr lang="en-US" dirty="0" smtClean="0"/>
-              <a:t>Suffix</a:t>
-            </a:r>
-            <a:r>
-              <a:rPr lang="en-US" dirty="0" smtClean="0"/>
-              <a:t> </a:t>
+              <a:t>Suffix </a:t>
             </a:r>
             <a:r>
               <a:rPr lang="en-US" dirty="0"/>
@@ -4557,11 +4554,7 @@
             <a:pPr algn="ctr"/>
             <a:r>
               <a:rPr lang="en-US" dirty="0" smtClean="0"/>
-              <a:t>Prefix</a:t>
-            </a:r>
-            <a:r>
-              <a:rPr lang="en-US" dirty="0" smtClean="0"/>
-              <a:t> </a:t>
+              <a:t>Prefix </a:t>
             </a:r>
             <a:r>
               <a:rPr lang="en-US" dirty="0"/>
@@ -19882,8 +19875,8 @@
         </p:nvSpPr>
         <p:spPr>
           <a:xfrm>
-            <a:off x="3968496" y="859536"/>
-            <a:ext cx="3346704" cy="548640"/>
+            <a:off x="3108960" y="335280"/>
+            <a:ext cx="5065776" cy="548640"/>
           </a:xfrm>
           <a:prstGeom prst="flowChartInputOutput">
             <a:avLst/>
@@ -19926,7 +19919,7 @@
         </p:nvSpPr>
         <p:spPr>
           <a:xfrm>
-            <a:off x="2907792" y="2139696"/>
+            <a:off x="3108960" y="1252728"/>
             <a:ext cx="1499616" cy="859536"/>
           </a:xfrm>
           <a:prstGeom prst="flowChartProcess">
@@ -19977,7 +19970,7 @@
         </p:nvSpPr>
         <p:spPr>
           <a:xfrm>
-            <a:off x="4892040" y="2139696"/>
+            <a:off x="4892040" y="1252728"/>
             <a:ext cx="1499616" cy="859536"/>
           </a:xfrm>
           <a:prstGeom prst="flowChartProcess">
@@ -20028,7 +20021,7 @@
         </p:nvSpPr>
         <p:spPr>
           <a:xfrm>
-            <a:off x="6876288" y="2139696"/>
+            <a:off x="6675120" y="1232916"/>
             <a:ext cx="1499616" cy="859536"/>
           </a:xfrm>
           <a:prstGeom prst="flowChartProcess">
@@ -20079,7 +20072,7 @@
         </p:nvSpPr>
         <p:spPr>
           <a:xfrm>
-            <a:off x="2907792" y="3480816"/>
+            <a:off x="3108960" y="2441448"/>
             <a:ext cx="1499616" cy="859536"/>
           </a:xfrm>
           <a:prstGeom prst="flowChartProcess">
@@ -20130,7 +20123,7 @@
         </p:nvSpPr>
         <p:spPr>
           <a:xfrm>
-            <a:off x="4892040" y="3480816"/>
+            <a:off x="4892040" y="2441448"/>
             <a:ext cx="1499616" cy="859536"/>
           </a:xfrm>
           <a:prstGeom prst="flowChartProcess">
@@ -20181,7 +20174,7 @@
         </p:nvSpPr>
         <p:spPr>
           <a:xfrm>
-            <a:off x="6876288" y="3480816"/>
+            <a:off x="6675120" y="2441448"/>
             <a:ext cx="1499616" cy="859536"/>
           </a:xfrm>
           <a:prstGeom prst="flowChartProcess">
@@ -20224,10 +20217,2518 @@
           </a:p>
         </p:txBody>
       </p:sp>
+      <p:sp>
+        <p:nvSpPr>
+          <p:cNvPr id="11" name="Process 10"/>
+          <p:cNvSpPr/>
+          <p:nvPr/>
+        </p:nvSpPr>
+        <p:spPr>
+          <a:xfrm>
+            <a:off x="3108960" y="4953000"/>
+            <a:ext cx="5065776" cy="664464"/>
+          </a:xfrm>
+          <a:prstGeom prst="flowChartProcess">
+            <a:avLst/>
+          </a:prstGeom>
+        </p:spPr>
+        <p:style>
+          <a:lnRef idx="2">
+            <a:schemeClr val="accent1">
+              <a:shade val="50000"/>
+            </a:schemeClr>
+          </a:lnRef>
+          <a:fillRef idx="1">
+            <a:schemeClr val="accent1"/>
+          </a:fillRef>
+          <a:effectRef idx="0">
+            <a:schemeClr val="accent1"/>
+          </a:effectRef>
+          <a:fontRef idx="minor">
+            <a:schemeClr val="lt1"/>
+          </a:fontRef>
+        </p:style>
+        <p:txBody>
+          <a:bodyPr rtlCol="0" anchor="ctr"/>
+          <a:lstStyle/>
+          <a:p>
+            <a:pPr algn="ctr"/>
+            <a:r>
+              <a:rPr lang="en-US" dirty="0" smtClean="0"/>
+              <a:t>Simplify Global </a:t>
+            </a:r>
+            <a:r>
+              <a:rPr lang="en-US" dirty="0"/>
+              <a:t>Graph </a:t>
+            </a:r>
+            <a:r>
+              <a:rPr lang="en-US" dirty="0" smtClean="0"/>
+              <a:t>&amp;</a:t>
+            </a:r>
+          </a:p>
+          <a:p>
+            <a:pPr algn="ctr"/>
+            <a:r>
+              <a:rPr lang="en-US" dirty="0" smtClean="0"/>
+              <a:t>Scaffold Contigs with Paired Reads </a:t>
+            </a:r>
+          </a:p>
+        </p:txBody>
+      </p:sp>
+      <p:sp>
+        <p:nvSpPr>
+          <p:cNvPr id="2" name="Data 1"/>
+          <p:cNvSpPr/>
+          <p:nvPr/>
+        </p:nvSpPr>
+        <p:spPr>
+          <a:xfrm>
+            <a:off x="3895344" y="7738872"/>
+            <a:ext cx="3493008" cy="594360"/>
+          </a:xfrm>
+          <a:prstGeom prst="flowChartInputOutput">
+            <a:avLst/>
+          </a:prstGeom>
+        </p:spPr>
+        <p:style>
+          <a:lnRef idx="2">
+            <a:schemeClr val="accent1">
+              <a:shade val="50000"/>
+            </a:schemeClr>
+          </a:lnRef>
+          <a:fillRef idx="1">
+            <a:schemeClr val="accent1"/>
+          </a:fillRef>
+          <a:effectRef idx="0">
+            <a:schemeClr val="accent1"/>
+          </a:effectRef>
+          <a:fontRef idx="minor">
+            <a:schemeClr val="lt1"/>
+          </a:fontRef>
+        </p:style>
+        <p:txBody>
+          <a:bodyPr rtlCol="0" anchor="ctr"/>
+          <a:lstStyle/>
+          <a:p>
+            <a:pPr algn="ctr"/>
+            <a:r>
+              <a:rPr lang="en-US" dirty="0" smtClean="0"/>
+              <a:t>Final Scaffolds</a:t>
+            </a:r>
+            <a:endParaRPr lang="en-US" dirty="0"/>
+          </a:p>
+        </p:txBody>
+      </p:sp>
+      <p:sp>
+        <p:nvSpPr>
+          <p:cNvPr id="12" name="Summing Junction 11"/>
+          <p:cNvSpPr/>
+          <p:nvPr/>
+        </p:nvSpPr>
+        <p:spPr>
+          <a:xfrm>
+            <a:off x="4873752" y="3727704"/>
+            <a:ext cx="1536192" cy="871728"/>
+          </a:xfrm>
+          <a:prstGeom prst="flowChartSummingJunction">
+            <a:avLst/>
+          </a:prstGeom>
+        </p:spPr>
+        <p:style>
+          <a:lnRef idx="2">
+            <a:schemeClr val="accent1">
+              <a:shade val="50000"/>
+            </a:schemeClr>
+          </a:lnRef>
+          <a:fillRef idx="1">
+            <a:schemeClr val="accent1"/>
+          </a:fillRef>
+          <a:effectRef idx="0">
+            <a:schemeClr val="accent1"/>
+          </a:effectRef>
+          <a:fontRef idx="minor">
+            <a:schemeClr val="lt1"/>
+          </a:fontRef>
+        </p:style>
+        <p:txBody>
+          <a:bodyPr rtlCol="0" anchor="ctr"/>
+          <a:lstStyle/>
+          <a:p>
+            <a:pPr algn="ctr"/>
+            <a:r>
+              <a:rPr lang="en-US" dirty="0" smtClean="0"/>
+              <a:t>Combine </a:t>
+            </a:r>
+            <a:r>
+              <a:rPr lang="en-US" smtClean="0"/>
+              <a:t>Sub Graphs</a:t>
+            </a:r>
+            <a:endParaRPr lang="en-US" dirty="0"/>
+          </a:p>
+        </p:txBody>
+      </p:sp>
+      <p:sp>
+        <p:nvSpPr>
+          <p:cNvPr id="13" name="Decision 12"/>
+          <p:cNvSpPr/>
+          <p:nvPr/>
+        </p:nvSpPr>
+        <p:spPr>
+          <a:xfrm>
+            <a:off x="3108960" y="5958840"/>
+            <a:ext cx="2039112" cy="1399032"/>
+          </a:xfrm>
+          <a:prstGeom prst="flowChartDecision">
+            <a:avLst/>
+          </a:prstGeom>
+        </p:spPr>
+        <p:style>
+          <a:lnRef idx="2">
+            <a:schemeClr val="accent1">
+              <a:shade val="50000"/>
+            </a:schemeClr>
+          </a:lnRef>
+          <a:fillRef idx="1">
+            <a:schemeClr val="accent1"/>
+          </a:fillRef>
+          <a:effectRef idx="0">
+            <a:schemeClr val="accent1"/>
+          </a:effectRef>
+          <a:fontRef idx="minor">
+            <a:schemeClr val="lt1"/>
+          </a:fontRef>
+        </p:style>
+        <p:txBody>
+          <a:bodyPr rtlCol="0" anchor="ctr"/>
+          <a:lstStyle/>
+          <a:p>
+            <a:pPr algn="ctr"/>
+            <a:r>
+              <a:rPr lang="en-US" smtClean="0"/>
+              <a:t>&gt; X %  Reads Used </a:t>
+            </a:r>
+            <a:endParaRPr lang="en-US" dirty="0"/>
+          </a:p>
+        </p:txBody>
+      </p:sp>
+      <p:cxnSp>
+        <p:nvCxnSpPr>
+          <p:cNvPr id="15" name="Straight Arrow Connector 14"/>
+          <p:cNvCxnSpPr>
+            <a:stCxn id="13" idx="3"/>
+            <a:endCxn id="17" idx="1"/>
+          </p:cNvCxnSpPr>
+          <p:nvPr/>
+        </p:nvCxnSpPr>
+        <p:spPr>
+          <a:xfrm>
+            <a:off x="5148072" y="6658356"/>
+            <a:ext cx="726948" cy="4572"/>
+          </a:xfrm>
+          <a:prstGeom prst="straightConnector1">
+            <a:avLst/>
+          </a:prstGeom>
+          <a:ln w="28575">
+            <a:solidFill>
+              <a:schemeClr val="accent1"/>
+            </a:solidFill>
+            <a:tailEnd type="triangle"/>
+          </a:ln>
+        </p:spPr>
+        <p:style>
+          <a:lnRef idx="1">
+            <a:schemeClr val="accent1"/>
+          </a:lnRef>
+          <a:fillRef idx="0">
+            <a:schemeClr val="accent1"/>
+          </a:fillRef>
+          <a:effectRef idx="0">
+            <a:schemeClr val="accent1"/>
+          </a:effectRef>
+          <a:fontRef idx="minor">
+            <a:schemeClr val="tx1"/>
+          </a:fontRef>
+        </p:style>
+      </p:cxnSp>
+      <p:sp>
+        <p:nvSpPr>
+          <p:cNvPr id="17" name="Process 16"/>
+          <p:cNvSpPr/>
+          <p:nvPr/>
+        </p:nvSpPr>
+        <p:spPr>
+          <a:xfrm>
+            <a:off x="5875020" y="6330696"/>
+            <a:ext cx="1600200" cy="664464"/>
+          </a:xfrm>
+          <a:prstGeom prst="flowChartProcess">
+            <a:avLst/>
+          </a:prstGeom>
+        </p:spPr>
+        <p:style>
+          <a:lnRef idx="2">
+            <a:schemeClr val="accent1">
+              <a:shade val="50000"/>
+            </a:schemeClr>
+          </a:lnRef>
+          <a:fillRef idx="1">
+            <a:schemeClr val="accent1"/>
+          </a:fillRef>
+          <a:effectRef idx="0">
+            <a:schemeClr val="accent1"/>
+          </a:effectRef>
+          <a:fontRef idx="minor">
+            <a:schemeClr val="lt1"/>
+          </a:fontRef>
+        </p:style>
+        <p:txBody>
+          <a:bodyPr rtlCol="0" anchor="ctr"/>
+          <a:lstStyle/>
+          <a:p>
+            <a:pPr algn="ctr"/>
+            <a:r>
+              <a:rPr lang="en-US" smtClean="0"/>
+              <a:t>Load </a:t>
+            </a:r>
+            <a:r>
+              <a:rPr lang="en-US" dirty="0" smtClean="0"/>
+              <a:t>Unused Edges</a:t>
+            </a:r>
+          </a:p>
+        </p:txBody>
+      </p:sp>
+      <p:cxnSp>
+        <p:nvCxnSpPr>
+          <p:cNvPr id="22" name="Elbow Connector 21"/>
+          <p:cNvCxnSpPr>
+            <a:stCxn id="17" idx="3"/>
+          </p:cNvCxnSpPr>
+          <p:nvPr/>
+        </p:nvCxnSpPr>
+        <p:spPr>
+          <a:xfrm flipV="1">
+            <a:off x="7475220" y="5586984"/>
+            <a:ext cx="438912" cy="1075944"/>
+          </a:xfrm>
+          <a:prstGeom prst="bentConnector2">
+            <a:avLst/>
+          </a:prstGeom>
+          <a:ln w="28575">
+            <a:solidFill>
+              <a:schemeClr val="accent1"/>
+            </a:solidFill>
+            <a:tailEnd type="triangle"/>
+          </a:ln>
+        </p:spPr>
+        <p:style>
+          <a:lnRef idx="1">
+            <a:schemeClr val="accent1"/>
+          </a:lnRef>
+          <a:fillRef idx="0">
+            <a:schemeClr val="accent1"/>
+          </a:fillRef>
+          <a:effectRef idx="0">
+            <a:schemeClr val="accent1"/>
+          </a:effectRef>
+          <a:fontRef idx="minor">
+            <a:schemeClr val="tx1"/>
+          </a:fontRef>
+        </p:style>
+      </p:cxnSp>
+      <p:cxnSp>
+        <p:nvCxnSpPr>
+          <p:cNvPr id="26" name="Elbow Connector 25"/>
+          <p:cNvCxnSpPr>
+            <a:stCxn id="13" idx="2"/>
+            <a:endCxn id="2" idx="0"/>
+          </p:cNvCxnSpPr>
+          <p:nvPr/>
+        </p:nvCxnSpPr>
+        <p:spPr>
+          <a:xfrm rot="16200000" flipH="1">
+            <a:off x="4869332" y="6617055"/>
+            <a:ext cx="381000" cy="1862633"/>
+          </a:xfrm>
+          <a:prstGeom prst="bentConnector3">
+            <a:avLst>
+              <a:gd name="adj1" fmla="val 50000"/>
+            </a:avLst>
+          </a:prstGeom>
+          <a:ln w="28575">
+            <a:solidFill>
+              <a:schemeClr val="accent1"/>
+            </a:solidFill>
+            <a:tailEnd type="triangle"/>
+          </a:ln>
+        </p:spPr>
+        <p:style>
+          <a:lnRef idx="1">
+            <a:schemeClr val="accent1"/>
+          </a:lnRef>
+          <a:fillRef idx="0">
+            <a:schemeClr val="accent1"/>
+          </a:fillRef>
+          <a:effectRef idx="0">
+            <a:schemeClr val="accent1"/>
+          </a:effectRef>
+          <a:fontRef idx="minor">
+            <a:schemeClr val="tx1"/>
+          </a:fontRef>
+        </p:style>
+      </p:cxnSp>
+      <p:cxnSp>
+        <p:nvCxnSpPr>
+          <p:cNvPr id="29" name="Straight Arrow Connector 28"/>
+          <p:cNvCxnSpPr>
+            <a:endCxn id="13" idx="0"/>
+          </p:cNvCxnSpPr>
+          <p:nvPr/>
+        </p:nvCxnSpPr>
+        <p:spPr>
+          <a:xfrm>
+            <a:off x="4128515" y="5635753"/>
+            <a:ext cx="1" cy="323087"/>
+          </a:xfrm>
+          <a:prstGeom prst="straightConnector1">
+            <a:avLst/>
+          </a:prstGeom>
+          <a:ln w="28575">
+            <a:solidFill>
+              <a:schemeClr val="accent1"/>
+            </a:solidFill>
+            <a:tailEnd type="triangle"/>
+          </a:ln>
+        </p:spPr>
+        <p:style>
+          <a:lnRef idx="1">
+            <a:schemeClr val="accent1"/>
+          </a:lnRef>
+          <a:fillRef idx="0">
+            <a:schemeClr val="accent1"/>
+          </a:fillRef>
+          <a:effectRef idx="0">
+            <a:schemeClr val="accent1"/>
+          </a:effectRef>
+          <a:fontRef idx="minor">
+            <a:schemeClr val="tx1"/>
+          </a:fontRef>
+        </p:style>
+      </p:cxnSp>
+      <p:cxnSp>
+        <p:nvCxnSpPr>
+          <p:cNvPr id="32" name="Straight Arrow Connector 31"/>
+          <p:cNvCxnSpPr>
+            <a:stCxn id="12" idx="4"/>
+            <a:endCxn id="11" idx="0"/>
+          </p:cNvCxnSpPr>
+          <p:nvPr/>
+        </p:nvCxnSpPr>
+        <p:spPr>
+          <a:xfrm>
+            <a:off x="5641848" y="4599432"/>
+            <a:ext cx="0" cy="353568"/>
+          </a:xfrm>
+          <a:prstGeom prst="straightConnector1">
+            <a:avLst/>
+          </a:prstGeom>
+          <a:ln w="28575">
+            <a:solidFill>
+              <a:schemeClr val="accent1"/>
+            </a:solidFill>
+            <a:tailEnd type="triangle"/>
+          </a:ln>
+        </p:spPr>
+        <p:style>
+          <a:lnRef idx="1">
+            <a:schemeClr val="accent1"/>
+          </a:lnRef>
+          <a:fillRef idx="0">
+            <a:schemeClr val="accent1"/>
+          </a:fillRef>
+          <a:effectRef idx="0">
+            <a:schemeClr val="accent1"/>
+          </a:effectRef>
+          <a:fontRef idx="minor">
+            <a:schemeClr val="tx1"/>
+          </a:fontRef>
+        </p:style>
+      </p:cxnSp>
+      <p:cxnSp>
+        <p:nvCxnSpPr>
+          <p:cNvPr id="35" name="Straight Arrow Connector 34"/>
+          <p:cNvCxnSpPr>
+            <a:stCxn id="7" idx="2"/>
+            <a:endCxn id="12" idx="1"/>
+          </p:cNvCxnSpPr>
+          <p:nvPr/>
+        </p:nvCxnSpPr>
+        <p:spPr>
+          <a:xfrm>
+            <a:off x="3858768" y="3300984"/>
+            <a:ext cx="1239954" cy="554382"/>
+          </a:xfrm>
+          <a:prstGeom prst="straightConnector1">
+            <a:avLst/>
+          </a:prstGeom>
+          <a:ln w="28575">
+            <a:solidFill>
+              <a:schemeClr val="accent1"/>
+            </a:solidFill>
+            <a:tailEnd type="triangle"/>
+          </a:ln>
+        </p:spPr>
+        <p:style>
+          <a:lnRef idx="1">
+            <a:schemeClr val="accent1"/>
+          </a:lnRef>
+          <a:fillRef idx="0">
+            <a:schemeClr val="accent1"/>
+          </a:fillRef>
+          <a:effectRef idx="0">
+            <a:schemeClr val="accent1"/>
+          </a:effectRef>
+          <a:fontRef idx="minor">
+            <a:schemeClr val="tx1"/>
+          </a:fontRef>
+        </p:style>
+      </p:cxnSp>
+      <p:cxnSp>
+        <p:nvCxnSpPr>
+          <p:cNvPr id="38" name="Straight Arrow Connector 37"/>
+          <p:cNvCxnSpPr>
+            <a:stCxn id="8" idx="2"/>
+            <a:endCxn id="12" idx="0"/>
+          </p:cNvCxnSpPr>
+          <p:nvPr/>
+        </p:nvCxnSpPr>
+        <p:spPr>
+          <a:xfrm>
+            <a:off x="5641848" y="3300984"/>
+            <a:ext cx="0" cy="426720"/>
+          </a:xfrm>
+          <a:prstGeom prst="straightConnector1">
+            <a:avLst/>
+          </a:prstGeom>
+          <a:ln w="28575">
+            <a:solidFill>
+              <a:schemeClr val="accent1"/>
+            </a:solidFill>
+            <a:tailEnd type="triangle"/>
+          </a:ln>
+        </p:spPr>
+        <p:style>
+          <a:lnRef idx="1">
+            <a:schemeClr val="accent1"/>
+          </a:lnRef>
+          <a:fillRef idx="0">
+            <a:schemeClr val="accent1"/>
+          </a:fillRef>
+          <a:effectRef idx="0">
+            <a:schemeClr val="accent1"/>
+          </a:effectRef>
+          <a:fontRef idx="minor">
+            <a:schemeClr val="tx1"/>
+          </a:fontRef>
+        </p:style>
+      </p:cxnSp>
+      <p:cxnSp>
+        <p:nvCxnSpPr>
+          <p:cNvPr id="41" name="Straight Arrow Connector 40"/>
+          <p:cNvCxnSpPr>
+            <a:stCxn id="9" idx="2"/>
+            <a:endCxn id="12" idx="7"/>
+          </p:cNvCxnSpPr>
+          <p:nvPr/>
+        </p:nvCxnSpPr>
+        <p:spPr>
+          <a:xfrm flipH="1">
+            <a:off x="6184974" y="3300984"/>
+            <a:ext cx="1239954" cy="554382"/>
+          </a:xfrm>
+          <a:prstGeom prst="straightConnector1">
+            <a:avLst/>
+          </a:prstGeom>
+          <a:ln w="28575">
+            <a:solidFill>
+              <a:schemeClr val="accent1"/>
+            </a:solidFill>
+            <a:tailEnd type="triangle"/>
+          </a:ln>
+        </p:spPr>
+        <p:style>
+          <a:lnRef idx="1">
+            <a:schemeClr val="accent1"/>
+          </a:lnRef>
+          <a:fillRef idx="0">
+            <a:schemeClr val="accent1"/>
+          </a:fillRef>
+          <a:effectRef idx="0">
+            <a:schemeClr val="accent1"/>
+          </a:effectRef>
+          <a:fontRef idx="minor">
+            <a:schemeClr val="tx1"/>
+          </a:fontRef>
+        </p:style>
+      </p:cxnSp>
+      <p:cxnSp>
+        <p:nvCxnSpPr>
+          <p:cNvPr id="44" name="Straight Arrow Connector 43"/>
+          <p:cNvCxnSpPr>
+            <a:stCxn id="5" idx="2"/>
+            <a:endCxn id="8" idx="0"/>
+          </p:cNvCxnSpPr>
+          <p:nvPr/>
+        </p:nvCxnSpPr>
+        <p:spPr>
+          <a:xfrm>
+            <a:off x="5641848" y="2112264"/>
+            <a:ext cx="0" cy="329184"/>
+          </a:xfrm>
+          <a:prstGeom prst="straightConnector1">
+            <a:avLst/>
+          </a:prstGeom>
+          <a:ln w="28575">
+            <a:solidFill>
+              <a:schemeClr val="accent1"/>
+            </a:solidFill>
+            <a:tailEnd type="triangle"/>
+          </a:ln>
+        </p:spPr>
+        <p:style>
+          <a:lnRef idx="1">
+            <a:schemeClr val="accent1"/>
+          </a:lnRef>
+          <a:fillRef idx="0">
+            <a:schemeClr val="accent1"/>
+          </a:fillRef>
+          <a:effectRef idx="0">
+            <a:schemeClr val="accent1"/>
+          </a:effectRef>
+          <a:fontRef idx="minor">
+            <a:schemeClr val="tx1"/>
+          </a:fontRef>
+        </p:style>
+      </p:cxnSp>
+      <p:cxnSp>
+        <p:nvCxnSpPr>
+          <p:cNvPr id="47" name="Straight Arrow Connector 46"/>
+          <p:cNvCxnSpPr>
+            <a:stCxn id="6" idx="2"/>
+            <a:endCxn id="9" idx="0"/>
+          </p:cNvCxnSpPr>
+          <p:nvPr/>
+        </p:nvCxnSpPr>
+        <p:spPr>
+          <a:xfrm>
+            <a:off x="7424928" y="2092452"/>
+            <a:ext cx="0" cy="348996"/>
+          </a:xfrm>
+          <a:prstGeom prst="straightConnector1">
+            <a:avLst/>
+          </a:prstGeom>
+          <a:ln w="28575">
+            <a:solidFill>
+              <a:schemeClr val="accent1"/>
+            </a:solidFill>
+            <a:tailEnd type="triangle"/>
+          </a:ln>
+        </p:spPr>
+        <p:style>
+          <a:lnRef idx="1">
+            <a:schemeClr val="accent1"/>
+          </a:lnRef>
+          <a:fillRef idx="0">
+            <a:schemeClr val="accent1"/>
+          </a:fillRef>
+          <a:effectRef idx="0">
+            <a:schemeClr val="accent1"/>
+          </a:effectRef>
+          <a:fontRef idx="minor">
+            <a:schemeClr val="tx1"/>
+          </a:fontRef>
+        </p:style>
+      </p:cxnSp>
+      <p:cxnSp>
+        <p:nvCxnSpPr>
+          <p:cNvPr id="52" name="Straight Arrow Connector 51"/>
+          <p:cNvCxnSpPr>
+            <a:stCxn id="4" idx="2"/>
+            <a:endCxn id="7" idx="0"/>
+          </p:cNvCxnSpPr>
+          <p:nvPr/>
+        </p:nvCxnSpPr>
+        <p:spPr>
+          <a:xfrm>
+            <a:off x="3858768" y="2112264"/>
+            <a:ext cx="0" cy="329184"/>
+          </a:xfrm>
+          <a:prstGeom prst="straightConnector1">
+            <a:avLst/>
+          </a:prstGeom>
+          <a:ln w="28575">
+            <a:solidFill>
+              <a:schemeClr val="accent1"/>
+            </a:solidFill>
+            <a:tailEnd type="triangle"/>
+          </a:ln>
+        </p:spPr>
+        <p:style>
+          <a:lnRef idx="1">
+            <a:schemeClr val="accent1"/>
+          </a:lnRef>
+          <a:fillRef idx="0">
+            <a:schemeClr val="accent1"/>
+          </a:fillRef>
+          <a:effectRef idx="0">
+            <a:schemeClr val="accent1"/>
+          </a:effectRef>
+          <a:fontRef idx="minor">
+            <a:schemeClr val="tx1"/>
+          </a:fontRef>
+        </p:style>
+      </p:cxnSp>
+      <p:cxnSp>
+        <p:nvCxnSpPr>
+          <p:cNvPr id="55" name="Straight Arrow Connector 54"/>
+          <p:cNvCxnSpPr>
+            <a:endCxn id="4" idx="0"/>
+          </p:cNvCxnSpPr>
+          <p:nvPr/>
+        </p:nvCxnSpPr>
+        <p:spPr>
+          <a:xfrm>
+            <a:off x="3858768" y="820498"/>
+            <a:ext cx="0" cy="432230"/>
+          </a:xfrm>
+          <a:prstGeom prst="straightConnector1">
+            <a:avLst/>
+          </a:prstGeom>
+          <a:ln w="28575">
+            <a:solidFill>
+              <a:schemeClr val="accent1"/>
+            </a:solidFill>
+            <a:tailEnd type="triangle"/>
+          </a:ln>
+        </p:spPr>
+        <p:style>
+          <a:lnRef idx="1">
+            <a:schemeClr val="accent1"/>
+          </a:lnRef>
+          <a:fillRef idx="0">
+            <a:schemeClr val="accent1"/>
+          </a:fillRef>
+          <a:effectRef idx="0">
+            <a:schemeClr val="accent1"/>
+          </a:effectRef>
+          <a:fontRef idx="minor">
+            <a:schemeClr val="tx1"/>
+          </a:fontRef>
+        </p:style>
+      </p:cxnSp>
+      <p:cxnSp>
+        <p:nvCxnSpPr>
+          <p:cNvPr id="61" name="Straight Arrow Connector 60"/>
+          <p:cNvCxnSpPr/>
+          <p:nvPr/>
+        </p:nvCxnSpPr>
+        <p:spPr>
+          <a:xfrm>
+            <a:off x="5641848" y="820791"/>
+            <a:ext cx="0" cy="432230"/>
+          </a:xfrm>
+          <a:prstGeom prst="straightConnector1">
+            <a:avLst/>
+          </a:prstGeom>
+          <a:ln w="28575">
+            <a:solidFill>
+              <a:schemeClr val="accent1"/>
+            </a:solidFill>
+            <a:tailEnd type="triangle"/>
+          </a:ln>
+        </p:spPr>
+        <p:style>
+          <a:lnRef idx="1">
+            <a:schemeClr val="accent1"/>
+          </a:lnRef>
+          <a:fillRef idx="0">
+            <a:schemeClr val="accent1"/>
+          </a:fillRef>
+          <a:effectRef idx="0">
+            <a:schemeClr val="accent1"/>
+          </a:effectRef>
+          <a:fontRef idx="minor">
+            <a:schemeClr val="tx1"/>
+          </a:fontRef>
+        </p:style>
+      </p:cxnSp>
+      <p:cxnSp>
+        <p:nvCxnSpPr>
+          <p:cNvPr id="62" name="Straight Arrow Connector 61"/>
+          <p:cNvCxnSpPr/>
+          <p:nvPr/>
+        </p:nvCxnSpPr>
+        <p:spPr>
+          <a:xfrm>
+            <a:off x="7388352" y="609600"/>
+            <a:ext cx="0" cy="643128"/>
+          </a:xfrm>
+          <a:prstGeom prst="straightConnector1">
+            <a:avLst/>
+          </a:prstGeom>
+          <a:ln w="28575">
+            <a:solidFill>
+              <a:schemeClr val="accent1"/>
+            </a:solidFill>
+            <a:tailEnd type="triangle"/>
+          </a:ln>
+        </p:spPr>
+        <p:style>
+          <a:lnRef idx="1">
+            <a:schemeClr val="accent1"/>
+          </a:lnRef>
+          <a:fillRef idx="0">
+            <a:schemeClr val="accent1"/>
+          </a:fillRef>
+          <a:effectRef idx="0">
+            <a:schemeClr val="accent1"/>
+          </a:effectRef>
+          <a:fontRef idx="minor">
+            <a:schemeClr val="tx1"/>
+          </a:fontRef>
+        </p:style>
+      </p:cxnSp>
+      <p:sp>
+        <p:nvSpPr>
+          <p:cNvPr id="65" name="TextBox 64"/>
+          <p:cNvSpPr txBox="1"/>
+          <p:nvPr/>
+        </p:nvSpPr>
+        <p:spPr>
+          <a:xfrm>
+            <a:off x="5148072" y="6330696"/>
+            <a:ext cx="493776" cy="369332"/>
+          </a:xfrm>
+          <a:prstGeom prst="rect">
+            <a:avLst/>
+          </a:prstGeom>
+          <a:noFill/>
+        </p:spPr>
+        <p:txBody>
+          <a:bodyPr wrap="square" rtlCol="0">
+            <a:spAutoFit/>
+          </a:bodyPr>
+          <a:lstStyle/>
+          <a:p>
+            <a:pPr algn="ctr"/>
+            <a:r>
+              <a:rPr lang="en-US" dirty="0" smtClean="0"/>
+              <a:t>No</a:t>
+            </a:r>
+            <a:endParaRPr lang="en-US" dirty="0"/>
+          </a:p>
+        </p:txBody>
+      </p:sp>
+      <p:sp>
+        <p:nvSpPr>
+          <p:cNvPr id="66" name="TextBox 65"/>
+          <p:cNvSpPr txBox="1"/>
+          <p:nvPr/>
+        </p:nvSpPr>
+        <p:spPr>
+          <a:xfrm>
+            <a:off x="4851834" y="7192494"/>
+            <a:ext cx="493776" cy="369332"/>
+          </a:xfrm>
+          <a:prstGeom prst="rect">
+            <a:avLst/>
+          </a:prstGeom>
+          <a:noFill/>
+        </p:spPr>
+        <p:txBody>
+          <a:bodyPr wrap="square" rtlCol="0">
+            <a:spAutoFit/>
+          </a:bodyPr>
+          <a:lstStyle/>
+          <a:p>
+            <a:pPr algn="ctr"/>
+            <a:r>
+              <a:rPr lang="en-US" smtClean="0"/>
+              <a:t>Yes</a:t>
+            </a:r>
+            <a:endParaRPr lang="en-US" dirty="0"/>
+          </a:p>
+        </p:txBody>
+      </p:sp>
     </p:spTree>
     <p:extLst>
       <p:ext uri="{BB962C8B-B14F-4D97-AF65-F5344CB8AC3E}">
         <p14:creationId xmlns:p14="http://schemas.microsoft.com/office/powerpoint/2010/main" val="455152516"/>
+      </p:ext>
+    </p:extLst>
+  </p:cSld>
+  <p:clrMapOvr>
+    <a:masterClrMapping/>
+  </p:clrMapOvr>
+</p:sld>
+</file>
+
+<file path=ppt/slides/slide4.xml><?xml version="1.0" encoding="utf-8"?>
+<p:sld xmlns:a="http://schemas.openxmlformats.org/drawingml/2006/main" xmlns:r="http://schemas.openxmlformats.org/officeDocument/2006/relationships" xmlns:p="http://schemas.openxmlformats.org/presentationml/2006/main">
+  <p:cSld>
+    <p:spTree>
+      <p:nvGrpSpPr>
+        <p:cNvPr id="1" name=""/>
+        <p:cNvGrpSpPr/>
+        <p:nvPr/>
+      </p:nvGrpSpPr>
+      <p:grpSpPr>
+        <a:xfrm>
+          <a:off x="0" y="0"/>
+          <a:ext cx="0" cy="0"/>
+          <a:chOff x="0" y="0"/>
+          <a:chExt cx="0" cy="0"/>
+        </a:xfrm>
+      </p:grpSpPr>
+      <p:grpSp>
+        <p:nvGrpSpPr>
+          <p:cNvPr id="110" name="Group 109"/>
+          <p:cNvGrpSpPr/>
+          <p:nvPr/>
+        </p:nvGrpSpPr>
+        <p:grpSpPr>
+          <a:xfrm>
+            <a:off x="2421530" y="2963507"/>
+            <a:ext cx="4069434" cy="567"/>
+            <a:chOff x="2421530" y="2963507"/>
+            <a:chExt cx="4069434" cy="567"/>
+          </a:xfrm>
+        </p:grpSpPr>
+        <p:cxnSp>
+          <p:nvCxnSpPr>
+            <p:cNvPr id="99" name="Straight Connector 98"/>
+            <p:cNvCxnSpPr/>
+            <p:nvPr/>
+          </p:nvCxnSpPr>
+          <p:spPr>
+            <a:xfrm>
+              <a:off x="2421530" y="2963507"/>
+              <a:ext cx="822960" cy="0"/>
+            </a:xfrm>
+            <a:prstGeom prst="line">
+              <a:avLst/>
+            </a:prstGeom>
+            <a:ln w="88900">
+              <a:solidFill>
+                <a:schemeClr val="tx1"/>
+              </a:solidFill>
+            </a:ln>
+          </p:spPr>
+          <p:style>
+            <a:lnRef idx="1">
+              <a:schemeClr val="accent1"/>
+            </a:lnRef>
+            <a:fillRef idx="0">
+              <a:schemeClr val="accent1"/>
+            </a:fillRef>
+            <a:effectRef idx="0">
+              <a:schemeClr val="accent1"/>
+            </a:effectRef>
+            <a:fontRef idx="minor">
+              <a:schemeClr val="tx1"/>
+            </a:fontRef>
+          </p:style>
+        </p:cxnSp>
+        <p:cxnSp>
+          <p:nvCxnSpPr>
+            <p:cNvPr id="105" name="Straight Connector 104"/>
+            <p:cNvCxnSpPr/>
+            <p:nvPr/>
+          </p:nvCxnSpPr>
+          <p:spPr>
+            <a:xfrm>
+              <a:off x="3209757" y="2964074"/>
+              <a:ext cx="822960" cy="0"/>
+            </a:xfrm>
+            <a:prstGeom prst="line">
+              <a:avLst/>
+            </a:prstGeom>
+            <a:ln w="88900">
+              <a:solidFill>
+                <a:srgbClr val="FF0000"/>
+              </a:solidFill>
+            </a:ln>
+          </p:spPr>
+          <p:style>
+            <a:lnRef idx="1">
+              <a:schemeClr val="accent1"/>
+            </a:lnRef>
+            <a:fillRef idx="0">
+              <a:schemeClr val="accent1"/>
+            </a:fillRef>
+            <a:effectRef idx="0">
+              <a:schemeClr val="accent1"/>
+            </a:effectRef>
+            <a:fontRef idx="minor">
+              <a:schemeClr val="tx1"/>
+            </a:fontRef>
+          </p:style>
+        </p:cxnSp>
+        <p:cxnSp>
+          <p:nvCxnSpPr>
+            <p:cNvPr id="107" name="Straight Connector 106"/>
+            <p:cNvCxnSpPr/>
+            <p:nvPr/>
+          </p:nvCxnSpPr>
+          <p:spPr>
+            <a:xfrm>
+              <a:off x="4032717" y="2963507"/>
+              <a:ext cx="822960" cy="0"/>
+            </a:xfrm>
+            <a:prstGeom prst="line">
+              <a:avLst/>
+            </a:prstGeom>
+            <a:ln w="88900">
+              <a:solidFill>
+                <a:schemeClr val="accent2"/>
+              </a:solidFill>
+            </a:ln>
+          </p:spPr>
+          <p:style>
+            <a:lnRef idx="1">
+              <a:schemeClr val="accent1"/>
+            </a:lnRef>
+            <a:fillRef idx="0">
+              <a:schemeClr val="accent1"/>
+            </a:fillRef>
+            <a:effectRef idx="0">
+              <a:schemeClr val="accent1"/>
+            </a:effectRef>
+            <a:fontRef idx="minor">
+              <a:schemeClr val="tx1"/>
+            </a:fontRef>
+          </p:style>
+        </p:cxnSp>
+        <p:cxnSp>
+          <p:nvCxnSpPr>
+            <p:cNvPr id="108" name="Straight Connector 107"/>
+            <p:cNvCxnSpPr/>
+            <p:nvPr/>
+          </p:nvCxnSpPr>
+          <p:spPr>
+            <a:xfrm>
+              <a:off x="4845044" y="2963507"/>
+              <a:ext cx="822960" cy="0"/>
+            </a:xfrm>
+            <a:prstGeom prst="line">
+              <a:avLst/>
+            </a:prstGeom>
+            <a:ln w="88900">
+              <a:solidFill>
+                <a:schemeClr val="accent5"/>
+              </a:solidFill>
+            </a:ln>
+          </p:spPr>
+          <p:style>
+            <a:lnRef idx="1">
+              <a:schemeClr val="accent1"/>
+            </a:lnRef>
+            <a:fillRef idx="0">
+              <a:schemeClr val="accent1"/>
+            </a:fillRef>
+            <a:effectRef idx="0">
+              <a:schemeClr val="accent1"/>
+            </a:effectRef>
+            <a:fontRef idx="minor">
+              <a:schemeClr val="tx1"/>
+            </a:fontRef>
+          </p:style>
+        </p:cxnSp>
+        <p:cxnSp>
+          <p:nvCxnSpPr>
+            <p:cNvPr id="109" name="Straight Connector 108"/>
+            <p:cNvCxnSpPr/>
+            <p:nvPr/>
+          </p:nvCxnSpPr>
+          <p:spPr>
+            <a:xfrm>
+              <a:off x="5668004" y="2963507"/>
+              <a:ext cx="822960" cy="0"/>
+            </a:xfrm>
+            <a:prstGeom prst="line">
+              <a:avLst/>
+            </a:prstGeom>
+            <a:ln w="88900">
+              <a:solidFill>
+                <a:srgbClr val="7030A0"/>
+              </a:solidFill>
+            </a:ln>
+          </p:spPr>
+          <p:style>
+            <a:lnRef idx="1">
+              <a:schemeClr val="accent1"/>
+            </a:lnRef>
+            <a:fillRef idx="0">
+              <a:schemeClr val="accent1"/>
+            </a:fillRef>
+            <a:effectRef idx="0">
+              <a:schemeClr val="accent1"/>
+            </a:effectRef>
+            <a:fontRef idx="minor">
+              <a:schemeClr val="tx1"/>
+            </a:fontRef>
+          </p:style>
+        </p:cxnSp>
+      </p:grpSp>
+      <p:grpSp>
+        <p:nvGrpSpPr>
+          <p:cNvPr id="135" name="Group 134"/>
+          <p:cNvGrpSpPr/>
+          <p:nvPr/>
+        </p:nvGrpSpPr>
+        <p:grpSpPr>
+          <a:xfrm>
+            <a:off x="3209757" y="3291658"/>
+            <a:ext cx="4092117" cy="2807"/>
+            <a:chOff x="3209757" y="3114225"/>
+            <a:chExt cx="4092117" cy="2807"/>
+          </a:xfrm>
+        </p:grpSpPr>
+        <p:cxnSp>
+          <p:nvCxnSpPr>
+            <p:cNvPr id="112" name="Straight Connector 111"/>
+            <p:cNvCxnSpPr/>
+            <p:nvPr/>
+          </p:nvCxnSpPr>
+          <p:spPr>
+            <a:xfrm>
+              <a:off x="6478914" y="3114225"/>
+              <a:ext cx="822960" cy="0"/>
+            </a:xfrm>
+            <a:prstGeom prst="line">
+              <a:avLst/>
+            </a:prstGeom>
+            <a:ln w="88900">
+              <a:solidFill>
+                <a:schemeClr val="accent3"/>
+              </a:solidFill>
+            </a:ln>
+          </p:spPr>
+          <p:style>
+            <a:lnRef idx="1">
+              <a:schemeClr val="accent1"/>
+            </a:lnRef>
+            <a:fillRef idx="0">
+              <a:schemeClr val="accent1"/>
+            </a:fillRef>
+            <a:effectRef idx="0">
+              <a:schemeClr val="accent1"/>
+            </a:effectRef>
+            <a:fontRef idx="minor">
+              <a:schemeClr val="tx1"/>
+            </a:fontRef>
+          </p:style>
+        </p:cxnSp>
+        <p:cxnSp>
+          <p:nvCxnSpPr>
+            <p:cNvPr id="113" name="Straight Connector 112"/>
+            <p:cNvCxnSpPr/>
+            <p:nvPr/>
+          </p:nvCxnSpPr>
+          <p:spPr>
+            <a:xfrm>
+              <a:off x="3209757" y="3117032"/>
+              <a:ext cx="822960" cy="0"/>
+            </a:xfrm>
+            <a:prstGeom prst="line">
+              <a:avLst/>
+            </a:prstGeom>
+            <a:ln w="88900">
+              <a:solidFill>
+                <a:srgbClr val="FF0000"/>
+              </a:solidFill>
+            </a:ln>
+          </p:spPr>
+          <p:style>
+            <a:lnRef idx="1">
+              <a:schemeClr val="accent1"/>
+            </a:lnRef>
+            <a:fillRef idx="0">
+              <a:schemeClr val="accent1"/>
+            </a:fillRef>
+            <a:effectRef idx="0">
+              <a:schemeClr val="accent1"/>
+            </a:effectRef>
+            <a:fontRef idx="minor">
+              <a:schemeClr val="tx1"/>
+            </a:fontRef>
+          </p:style>
+        </p:cxnSp>
+        <p:cxnSp>
+          <p:nvCxnSpPr>
+            <p:cNvPr id="114" name="Straight Connector 113"/>
+            <p:cNvCxnSpPr/>
+            <p:nvPr/>
+          </p:nvCxnSpPr>
+          <p:spPr>
+            <a:xfrm>
+              <a:off x="4032717" y="3115340"/>
+              <a:ext cx="822960" cy="0"/>
+            </a:xfrm>
+            <a:prstGeom prst="line">
+              <a:avLst/>
+            </a:prstGeom>
+            <a:ln w="88900">
+              <a:solidFill>
+                <a:schemeClr val="accent2"/>
+              </a:solidFill>
+            </a:ln>
+          </p:spPr>
+          <p:style>
+            <a:lnRef idx="1">
+              <a:schemeClr val="accent1"/>
+            </a:lnRef>
+            <a:fillRef idx="0">
+              <a:schemeClr val="accent1"/>
+            </a:fillRef>
+            <a:effectRef idx="0">
+              <a:schemeClr val="accent1"/>
+            </a:effectRef>
+            <a:fontRef idx="minor">
+              <a:schemeClr val="tx1"/>
+            </a:fontRef>
+          </p:style>
+        </p:cxnSp>
+        <p:cxnSp>
+          <p:nvCxnSpPr>
+            <p:cNvPr id="115" name="Straight Connector 114"/>
+            <p:cNvCxnSpPr/>
+            <p:nvPr/>
+          </p:nvCxnSpPr>
+          <p:spPr>
+            <a:xfrm>
+              <a:off x="4845044" y="3115340"/>
+              <a:ext cx="822960" cy="0"/>
+            </a:xfrm>
+            <a:prstGeom prst="line">
+              <a:avLst/>
+            </a:prstGeom>
+            <a:ln w="88900">
+              <a:solidFill>
+                <a:schemeClr val="accent5"/>
+              </a:solidFill>
+            </a:ln>
+          </p:spPr>
+          <p:style>
+            <a:lnRef idx="1">
+              <a:schemeClr val="accent1"/>
+            </a:lnRef>
+            <a:fillRef idx="0">
+              <a:schemeClr val="accent1"/>
+            </a:fillRef>
+            <a:effectRef idx="0">
+              <a:schemeClr val="accent1"/>
+            </a:effectRef>
+            <a:fontRef idx="minor">
+              <a:schemeClr val="tx1"/>
+            </a:fontRef>
+          </p:style>
+        </p:cxnSp>
+        <p:cxnSp>
+          <p:nvCxnSpPr>
+            <p:cNvPr id="116" name="Straight Connector 115"/>
+            <p:cNvCxnSpPr/>
+            <p:nvPr/>
+          </p:nvCxnSpPr>
+          <p:spPr>
+            <a:xfrm>
+              <a:off x="5668004" y="3115340"/>
+              <a:ext cx="822960" cy="0"/>
+            </a:xfrm>
+            <a:prstGeom prst="line">
+              <a:avLst/>
+            </a:prstGeom>
+            <a:ln w="88900">
+              <a:solidFill>
+                <a:srgbClr val="7030A0"/>
+              </a:solidFill>
+            </a:ln>
+          </p:spPr>
+          <p:style>
+            <a:lnRef idx="1">
+              <a:schemeClr val="accent1"/>
+            </a:lnRef>
+            <a:fillRef idx="0">
+              <a:schemeClr val="accent1"/>
+            </a:fillRef>
+            <a:effectRef idx="0">
+              <a:schemeClr val="accent1"/>
+            </a:effectRef>
+            <a:fontRef idx="minor">
+              <a:schemeClr val="tx1"/>
+            </a:fontRef>
+          </p:style>
+        </p:cxnSp>
+      </p:grpSp>
+      <p:grpSp>
+        <p:nvGrpSpPr>
+          <p:cNvPr id="136" name="Group 135"/>
+          <p:cNvGrpSpPr/>
+          <p:nvPr/>
+        </p:nvGrpSpPr>
+        <p:grpSpPr>
+          <a:xfrm>
+            <a:off x="4032717" y="3625421"/>
+            <a:ext cx="4092117" cy="0"/>
+            <a:chOff x="4032717" y="3266606"/>
+            <a:chExt cx="4092117" cy="0"/>
+          </a:xfrm>
+        </p:grpSpPr>
+        <p:cxnSp>
+          <p:nvCxnSpPr>
+            <p:cNvPr id="118" name="Straight Connector 117"/>
+            <p:cNvCxnSpPr/>
+            <p:nvPr/>
+          </p:nvCxnSpPr>
+          <p:spPr>
+            <a:xfrm>
+              <a:off x="7301874" y="3266606"/>
+              <a:ext cx="822960" cy="0"/>
+            </a:xfrm>
+            <a:prstGeom prst="line">
+              <a:avLst/>
+            </a:prstGeom>
+            <a:ln w="88900">
+              <a:solidFill>
+                <a:schemeClr val="accent3"/>
+              </a:solidFill>
+            </a:ln>
+          </p:spPr>
+          <p:style>
+            <a:lnRef idx="1">
+              <a:schemeClr val="accent1"/>
+            </a:lnRef>
+            <a:fillRef idx="0">
+              <a:schemeClr val="accent1"/>
+            </a:fillRef>
+            <a:effectRef idx="0">
+              <a:schemeClr val="accent1"/>
+            </a:effectRef>
+            <a:fontRef idx="minor">
+              <a:schemeClr val="tx1"/>
+            </a:fontRef>
+          </p:style>
+        </p:cxnSp>
+        <p:cxnSp>
+          <p:nvCxnSpPr>
+            <p:cNvPr id="119" name="Straight Connector 118"/>
+            <p:cNvCxnSpPr/>
+            <p:nvPr/>
+          </p:nvCxnSpPr>
+          <p:spPr>
+            <a:xfrm>
+              <a:off x="6478914" y="3266606"/>
+              <a:ext cx="822960" cy="0"/>
+            </a:xfrm>
+            <a:prstGeom prst="line">
+              <a:avLst/>
+            </a:prstGeom>
+            <a:ln w="88900">
+              <a:solidFill>
+                <a:schemeClr val="accent3"/>
+              </a:solidFill>
+            </a:ln>
+          </p:spPr>
+          <p:style>
+            <a:lnRef idx="1">
+              <a:schemeClr val="accent1"/>
+            </a:lnRef>
+            <a:fillRef idx="0">
+              <a:schemeClr val="accent1"/>
+            </a:fillRef>
+            <a:effectRef idx="0">
+              <a:schemeClr val="accent1"/>
+            </a:effectRef>
+            <a:fontRef idx="minor">
+              <a:schemeClr val="tx1"/>
+            </a:fontRef>
+          </p:style>
+        </p:cxnSp>
+        <p:cxnSp>
+          <p:nvCxnSpPr>
+            <p:cNvPr id="120" name="Straight Connector 119"/>
+            <p:cNvCxnSpPr/>
+            <p:nvPr/>
+          </p:nvCxnSpPr>
+          <p:spPr>
+            <a:xfrm>
+              <a:off x="4032717" y="3266606"/>
+              <a:ext cx="822960" cy="0"/>
+            </a:xfrm>
+            <a:prstGeom prst="line">
+              <a:avLst/>
+            </a:prstGeom>
+            <a:ln w="88900">
+              <a:solidFill>
+                <a:schemeClr val="accent2"/>
+              </a:solidFill>
+            </a:ln>
+          </p:spPr>
+          <p:style>
+            <a:lnRef idx="1">
+              <a:schemeClr val="accent1"/>
+            </a:lnRef>
+            <a:fillRef idx="0">
+              <a:schemeClr val="accent1"/>
+            </a:fillRef>
+            <a:effectRef idx="0">
+              <a:schemeClr val="accent1"/>
+            </a:effectRef>
+            <a:fontRef idx="minor">
+              <a:schemeClr val="tx1"/>
+            </a:fontRef>
+          </p:style>
+        </p:cxnSp>
+        <p:cxnSp>
+          <p:nvCxnSpPr>
+            <p:cNvPr id="121" name="Straight Connector 120"/>
+            <p:cNvCxnSpPr/>
+            <p:nvPr/>
+          </p:nvCxnSpPr>
+          <p:spPr>
+            <a:xfrm>
+              <a:off x="4845044" y="3266606"/>
+              <a:ext cx="822960" cy="0"/>
+            </a:xfrm>
+            <a:prstGeom prst="line">
+              <a:avLst/>
+            </a:prstGeom>
+            <a:ln w="88900">
+              <a:solidFill>
+                <a:schemeClr val="accent5"/>
+              </a:solidFill>
+            </a:ln>
+          </p:spPr>
+          <p:style>
+            <a:lnRef idx="1">
+              <a:schemeClr val="accent1"/>
+            </a:lnRef>
+            <a:fillRef idx="0">
+              <a:schemeClr val="accent1"/>
+            </a:fillRef>
+            <a:effectRef idx="0">
+              <a:schemeClr val="accent1"/>
+            </a:effectRef>
+            <a:fontRef idx="minor">
+              <a:schemeClr val="tx1"/>
+            </a:fontRef>
+          </p:style>
+        </p:cxnSp>
+        <p:cxnSp>
+          <p:nvCxnSpPr>
+            <p:cNvPr id="122" name="Straight Connector 121"/>
+            <p:cNvCxnSpPr/>
+            <p:nvPr/>
+          </p:nvCxnSpPr>
+          <p:spPr>
+            <a:xfrm>
+              <a:off x="5668004" y="3266606"/>
+              <a:ext cx="822960" cy="0"/>
+            </a:xfrm>
+            <a:prstGeom prst="line">
+              <a:avLst/>
+            </a:prstGeom>
+            <a:ln w="88900">
+              <a:solidFill>
+                <a:srgbClr val="7030A0"/>
+              </a:solidFill>
+            </a:ln>
+          </p:spPr>
+          <p:style>
+            <a:lnRef idx="1">
+              <a:schemeClr val="accent1"/>
+            </a:lnRef>
+            <a:fillRef idx="0">
+              <a:schemeClr val="accent1"/>
+            </a:fillRef>
+            <a:effectRef idx="0">
+              <a:schemeClr val="accent1"/>
+            </a:effectRef>
+            <a:fontRef idx="minor">
+              <a:schemeClr val="tx1"/>
+            </a:fontRef>
+          </p:style>
+        </p:cxnSp>
+      </p:grpSp>
+      <p:grpSp>
+        <p:nvGrpSpPr>
+          <p:cNvPr id="137" name="Group 136"/>
+          <p:cNvGrpSpPr/>
+          <p:nvPr/>
+        </p:nvGrpSpPr>
+        <p:grpSpPr>
+          <a:xfrm>
+            <a:off x="4855677" y="3976382"/>
+            <a:ext cx="4102750" cy="0"/>
+            <a:chOff x="4845044" y="3409223"/>
+            <a:chExt cx="4102750" cy="0"/>
+          </a:xfrm>
+        </p:grpSpPr>
+        <p:cxnSp>
+          <p:nvCxnSpPr>
+            <p:cNvPr id="124" name="Straight Connector 123"/>
+            <p:cNvCxnSpPr/>
+            <p:nvPr/>
+          </p:nvCxnSpPr>
+          <p:spPr>
+            <a:xfrm>
+              <a:off x="7301874" y="3409223"/>
+              <a:ext cx="822960" cy="0"/>
+            </a:xfrm>
+            <a:prstGeom prst="line">
+              <a:avLst/>
+            </a:prstGeom>
+            <a:ln w="88900">
+              <a:solidFill>
+                <a:schemeClr val="accent3"/>
+              </a:solidFill>
+            </a:ln>
+          </p:spPr>
+          <p:style>
+            <a:lnRef idx="1">
+              <a:schemeClr val="accent1"/>
+            </a:lnRef>
+            <a:fillRef idx="0">
+              <a:schemeClr val="accent1"/>
+            </a:fillRef>
+            <a:effectRef idx="0">
+              <a:schemeClr val="accent1"/>
+            </a:effectRef>
+            <a:fontRef idx="minor">
+              <a:schemeClr val="tx1"/>
+            </a:fontRef>
+          </p:style>
+        </p:cxnSp>
+        <p:cxnSp>
+          <p:nvCxnSpPr>
+            <p:cNvPr id="125" name="Straight Connector 124"/>
+            <p:cNvCxnSpPr/>
+            <p:nvPr/>
+          </p:nvCxnSpPr>
+          <p:spPr>
+            <a:xfrm>
+              <a:off x="6478914" y="3409223"/>
+              <a:ext cx="822960" cy="0"/>
+            </a:xfrm>
+            <a:prstGeom prst="line">
+              <a:avLst/>
+            </a:prstGeom>
+            <a:ln w="88900">
+              <a:solidFill>
+                <a:schemeClr val="accent3"/>
+              </a:solidFill>
+            </a:ln>
+          </p:spPr>
+          <p:style>
+            <a:lnRef idx="1">
+              <a:schemeClr val="accent1"/>
+            </a:lnRef>
+            <a:fillRef idx="0">
+              <a:schemeClr val="accent1"/>
+            </a:fillRef>
+            <a:effectRef idx="0">
+              <a:schemeClr val="accent1"/>
+            </a:effectRef>
+            <a:fontRef idx="minor">
+              <a:schemeClr val="tx1"/>
+            </a:fontRef>
+          </p:style>
+        </p:cxnSp>
+        <p:cxnSp>
+          <p:nvCxnSpPr>
+            <p:cNvPr id="126" name="Straight Connector 125"/>
+            <p:cNvCxnSpPr/>
+            <p:nvPr/>
+          </p:nvCxnSpPr>
+          <p:spPr>
+            <a:xfrm>
+              <a:off x="8124834" y="3409223"/>
+              <a:ext cx="822960" cy="0"/>
+            </a:xfrm>
+            <a:prstGeom prst="line">
+              <a:avLst/>
+            </a:prstGeom>
+            <a:ln w="88900">
+              <a:solidFill>
+                <a:schemeClr val="accent3"/>
+              </a:solidFill>
+            </a:ln>
+          </p:spPr>
+          <p:style>
+            <a:lnRef idx="1">
+              <a:schemeClr val="accent1"/>
+            </a:lnRef>
+            <a:fillRef idx="0">
+              <a:schemeClr val="accent1"/>
+            </a:fillRef>
+            <a:effectRef idx="0">
+              <a:schemeClr val="accent1"/>
+            </a:effectRef>
+            <a:fontRef idx="minor">
+              <a:schemeClr val="tx1"/>
+            </a:fontRef>
+          </p:style>
+        </p:cxnSp>
+        <p:cxnSp>
+          <p:nvCxnSpPr>
+            <p:cNvPr id="127" name="Straight Connector 126"/>
+            <p:cNvCxnSpPr/>
+            <p:nvPr/>
+          </p:nvCxnSpPr>
+          <p:spPr>
+            <a:xfrm>
+              <a:off x="4845044" y="3409223"/>
+              <a:ext cx="822960" cy="0"/>
+            </a:xfrm>
+            <a:prstGeom prst="line">
+              <a:avLst/>
+            </a:prstGeom>
+            <a:ln w="88900">
+              <a:solidFill>
+                <a:schemeClr val="accent5"/>
+              </a:solidFill>
+            </a:ln>
+          </p:spPr>
+          <p:style>
+            <a:lnRef idx="1">
+              <a:schemeClr val="accent1"/>
+            </a:lnRef>
+            <a:fillRef idx="0">
+              <a:schemeClr val="accent1"/>
+            </a:fillRef>
+            <a:effectRef idx="0">
+              <a:schemeClr val="accent1"/>
+            </a:effectRef>
+            <a:fontRef idx="minor">
+              <a:schemeClr val="tx1"/>
+            </a:fontRef>
+          </p:style>
+        </p:cxnSp>
+        <p:cxnSp>
+          <p:nvCxnSpPr>
+            <p:cNvPr id="128" name="Straight Connector 127"/>
+            <p:cNvCxnSpPr/>
+            <p:nvPr/>
+          </p:nvCxnSpPr>
+          <p:spPr>
+            <a:xfrm>
+              <a:off x="5668004" y="3409223"/>
+              <a:ext cx="822960" cy="0"/>
+            </a:xfrm>
+            <a:prstGeom prst="line">
+              <a:avLst/>
+            </a:prstGeom>
+            <a:ln w="88900">
+              <a:solidFill>
+                <a:srgbClr val="7030A0"/>
+              </a:solidFill>
+            </a:ln>
+          </p:spPr>
+          <p:style>
+            <a:lnRef idx="1">
+              <a:schemeClr val="accent1"/>
+            </a:lnRef>
+            <a:fillRef idx="0">
+              <a:schemeClr val="accent1"/>
+            </a:fillRef>
+            <a:effectRef idx="0">
+              <a:schemeClr val="accent1"/>
+            </a:effectRef>
+            <a:fontRef idx="minor">
+              <a:schemeClr val="tx1"/>
+            </a:fontRef>
+          </p:style>
+        </p:cxnSp>
+      </p:grpSp>
+      <p:grpSp>
+        <p:nvGrpSpPr>
+          <p:cNvPr id="138" name="Group 137"/>
+          <p:cNvGrpSpPr/>
+          <p:nvPr/>
+        </p:nvGrpSpPr>
+        <p:grpSpPr>
+          <a:xfrm>
+            <a:off x="5655954" y="4327343"/>
+            <a:ext cx="4114800" cy="6024"/>
+            <a:chOff x="5655954" y="3552196"/>
+            <a:chExt cx="4114800" cy="6024"/>
+          </a:xfrm>
+        </p:grpSpPr>
+        <p:cxnSp>
+          <p:nvCxnSpPr>
+            <p:cNvPr id="130" name="Straight Connector 129"/>
+            <p:cNvCxnSpPr/>
+            <p:nvPr/>
+          </p:nvCxnSpPr>
+          <p:spPr>
+            <a:xfrm>
+              <a:off x="8947794" y="3558220"/>
+              <a:ext cx="822960" cy="0"/>
+            </a:xfrm>
+            <a:prstGeom prst="line">
+              <a:avLst/>
+            </a:prstGeom>
+            <a:ln w="88900">
+              <a:solidFill>
+                <a:schemeClr val="accent3"/>
+              </a:solidFill>
+            </a:ln>
+          </p:spPr>
+          <p:style>
+            <a:lnRef idx="1">
+              <a:schemeClr val="accent1"/>
+            </a:lnRef>
+            <a:fillRef idx="0">
+              <a:schemeClr val="accent1"/>
+            </a:fillRef>
+            <a:effectRef idx="0">
+              <a:schemeClr val="accent1"/>
+            </a:effectRef>
+            <a:fontRef idx="minor">
+              <a:schemeClr val="tx1"/>
+            </a:fontRef>
+          </p:style>
+        </p:cxnSp>
+        <p:cxnSp>
+          <p:nvCxnSpPr>
+            <p:cNvPr id="131" name="Straight Connector 130"/>
+            <p:cNvCxnSpPr/>
+            <p:nvPr/>
+          </p:nvCxnSpPr>
+          <p:spPr>
+            <a:xfrm>
+              <a:off x="8124834" y="3558220"/>
+              <a:ext cx="822960" cy="0"/>
+            </a:xfrm>
+            <a:prstGeom prst="line">
+              <a:avLst/>
+            </a:prstGeom>
+            <a:ln w="88900">
+              <a:solidFill>
+                <a:schemeClr val="accent3"/>
+              </a:solidFill>
+            </a:ln>
+          </p:spPr>
+          <p:style>
+            <a:lnRef idx="1">
+              <a:schemeClr val="accent1"/>
+            </a:lnRef>
+            <a:fillRef idx="0">
+              <a:schemeClr val="accent1"/>
+            </a:fillRef>
+            <a:effectRef idx="0">
+              <a:schemeClr val="accent1"/>
+            </a:effectRef>
+            <a:fontRef idx="minor">
+              <a:schemeClr val="tx1"/>
+            </a:fontRef>
+          </p:style>
+        </p:cxnSp>
+        <p:cxnSp>
+          <p:nvCxnSpPr>
+            <p:cNvPr id="132" name="Straight Connector 131"/>
+            <p:cNvCxnSpPr/>
+            <p:nvPr/>
+          </p:nvCxnSpPr>
+          <p:spPr>
+            <a:xfrm>
+              <a:off x="7301874" y="3552196"/>
+              <a:ext cx="822960" cy="0"/>
+            </a:xfrm>
+            <a:prstGeom prst="line">
+              <a:avLst/>
+            </a:prstGeom>
+            <a:ln w="88900">
+              <a:solidFill>
+                <a:schemeClr val="accent3"/>
+              </a:solidFill>
+            </a:ln>
+          </p:spPr>
+          <p:style>
+            <a:lnRef idx="1">
+              <a:schemeClr val="accent1"/>
+            </a:lnRef>
+            <a:fillRef idx="0">
+              <a:schemeClr val="accent1"/>
+            </a:fillRef>
+            <a:effectRef idx="0">
+              <a:schemeClr val="accent1"/>
+            </a:effectRef>
+            <a:fontRef idx="minor">
+              <a:schemeClr val="tx1"/>
+            </a:fontRef>
+          </p:style>
+        </p:cxnSp>
+        <p:cxnSp>
+          <p:nvCxnSpPr>
+            <p:cNvPr id="133" name="Straight Connector 132"/>
+            <p:cNvCxnSpPr/>
+            <p:nvPr/>
+          </p:nvCxnSpPr>
+          <p:spPr>
+            <a:xfrm>
+              <a:off x="6478914" y="3558220"/>
+              <a:ext cx="822960" cy="0"/>
+            </a:xfrm>
+            <a:prstGeom prst="line">
+              <a:avLst/>
+            </a:prstGeom>
+            <a:ln w="88900">
+              <a:solidFill>
+                <a:schemeClr val="accent3"/>
+              </a:solidFill>
+            </a:ln>
+          </p:spPr>
+          <p:style>
+            <a:lnRef idx="1">
+              <a:schemeClr val="accent1"/>
+            </a:lnRef>
+            <a:fillRef idx="0">
+              <a:schemeClr val="accent1"/>
+            </a:fillRef>
+            <a:effectRef idx="0">
+              <a:schemeClr val="accent1"/>
+            </a:effectRef>
+            <a:fontRef idx="minor">
+              <a:schemeClr val="tx1"/>
+            </a:fontRef>
+          </p:style>
+        </p:cxnSp>
+        <p:cxnSp>
+          <p:nvCxnSpPr>
+            <p:cNvPr id="134" name="Straight Connector 133"/>
+            <p:cNvCxnSpPr/>
+            <p:nvPr/>
+          </p:nvCxnSpPr>
+          <p:spPr>
+            <a:xfrm>
+              <a:off x="5655954" y="3558220"/>
+              <a:ext cx="822960" cy="0"/>
+            </a:xfrm>
+            <a:prstGeom prst="line">
+              <a:avLst/>
+            </a:prstGeom>
+            <a:ln w="88900">
+              <a:solidFill>
+                <a:srgbClr val="7030A0"/>
+              </a:solidFill>
+            </a:ln>
+          </p:spPr>
+          <p:style>
+            <a:lnRef idx="1">
+              <a:schemeClr val="accent1"/>
+            </a:lnRef>
+            <a:fillRef idx="0">
+              <a:schemeClr val="accent1"/>
+            </a:fillRef>
+            <a:effectRef idx="0">
+              <a:schemeClr val="accent1"/>
+            </a:effectRef>
+            <a:fontRef idx="minor">
+              <a:schemeClr val="tx1"/>
+            </a:fontRef>
+          </p:style>
+        </p:cxnSp>
+      </p:grpSp>
+      <p:cxnSp>
+        <p:nvCxnSpPr>
+          <p:cNvPr id="140" name="Straight Arrow Connector 139"/>
+          <p:cNvCxnSpPr/>
+          <p:nvPr/>
+        </p:nvCxnSpPr>
+        <p:spPr>
+          <a:xfrm>
+            <a:off x="3621237" y="2963507"/>
+            <a:ext cx="0" cy="328151"/>
+          </a:xfrm>
+          <a:prstGeom prst="straightConnector1">
+            <a:avLst/>
+          </a:prstGeom>
+          <a:ln w="25400">
+            <a:solidFill>
+              <a:schemeClr val="accent6"/>
+            </a:solidFill>
+            <a:prstDash val="sysDash"/>
+            <a:tailEnd type="triangle"/>
+          </a:ln>
+        </p:spPr>
+        <p:style>
+          <a:lnRef idx="1">
+            <a:schemeClr val="accent1"/>
+          </a:lnRef>
+          <a:fillRef idx="0">
+            <a:schemeClr val="accent1"/>
+          </a:fillRef>
+          <a:effectRef idx="0">
+            <a:schemeClr val="accent1"/>
+          </a:effectRef>
+          <a:fontRef idx="minor">
+            <a:schemeClr val="tx1"/>
+          </a:fontRef>
+        </p:style>
+      </p:cxnSp>
+      <p:cxnSp>
+        <p:nvCxnSpPr>
+          <p:cNvPr id="141" name="Straight Arrow Connector 140"/>
+          <p:cNvCxnSpPr/>
+          <p:nvPr/>
+        </p:nvCxnSpPr>
+        <p:spPr>
+          <a:xfrm>
+            <a:off x="4458634" y="3291658"/>
+            <a:ext cx="0" cy="328151"/>
+          </a:xfrm>
+          <a:prstGeom prst="straightConnector1">
+            <a:avLst/>
+          </a:prstGeom>
+          <a:ln w="25400">
+            <a:solidFill>
+              <a:schemeClr val="accent6"/>
+            </a:solidFill>
+            <a:prstDash val="sysDash"/>
+            <a:tailEnd type="triangle"/>
+          </a:ln>
+        </p:spPr>
+        <p:style>
+          <a:lnRef idx="1">
+            <a:schemeClr val="accent1"/>
+          </a:lnRef>
+          <a:fillRef idx="0">
+            <a:schemeClr val="accent1"/>
+          </a:fillRef>
+          <a:effectRef idx="0">
+            <a:schemeClr val="accent1"/>
+          </a:effectRef>
+          <a:fontRef idx="minor">
+            <a:schemeClr val="tx1"/>
+          </a:fontRef>
+        </p:style>
+      </p:cxnSp>
+      <p:cxnSp>
+        <p:nvCxnSpPr>
+          <p:cNvPr id="142" name="Straight Arrow Connector 141"/>
+          <p:cNvCxnSpPr/>
+          <p:nvPr/>
+        </p:nvCxnSpPr>
+        <p:spPr>
+          <a:xfrm>
+            <a:off x="5267157" y="3648231"/>
+            <a:ext cx="0" cy="328151"/>
+          </a:xfrm>
+          <a:prstGeom prst="straightConnector1">
+            <a:avLst/>
+          </a:prstGeom>
+          <a:ln w="25400">
+            <a:solidFill>
+              <a:schemeClr val="accent6"/>
+            </a:solidFill>
+            <a:prstDash val="sysDash"/>
+            <a:tailEnd type="triangle"/>
+          </a:ln>
+        </p:spPr>
+        <p:style>
+          <a:lnRef idx="1">
+            <a:schemeClr val="accent1"/>
+          </a:lnRef>
+          <a:fillRef idx="0">
+            <a:schemeClr val="accent1"/>
+          </a:fillRef>
+          <a:effectRef idx="0">
+            <a:schemeClr val="accent1"/>
+          </a:effectRef>
+          <a:fontRef idx="minor">
+            <a:schemeClr val="tx1"/>
+          </a:fontRef>
+        </p:style>
+      </p:cxnSp>
+      <p:cxnSp>
+        <p:nvCxnSpPr>
+          <p:cNvPr id="143" name="Straight Arrow Connector 142"/>
+          <p:cNvCxnSpPr/>
+          <p:nvPr/>
+        </p:nvCxnSpPr>
+        <p:spPr>
+          <a:xfrm>
+            <a:off x="6067434" y="3976382"/>
+            <a:ext cx="0" cy="328151"/>
+          </a:xfrm>
+          <a:prstGeom prst="straightConnector1">
+            <a:avLst/>
+          </a:prstGeom>
+          <a:ln w="25400">
+            <a:solidFill>
+              <a:schemeClr val="accent6"/>
+            </a:solidFill>
+            <a:prstDash val="sysDash"/>
+            <a:tailEnd type="triangle"/>
+          </a:ln>
+        </p:spPr>
+        <p:style>
+          <a:lnRef idx="1">
+            <a:schemeClr val="accent1"/>
+          </a:lnRef>
+          <a:fillRef idx="0">
+            <a:schemeClr val="accent1"/>
+          </a:fillRef>
+          <a:effectRef idx="0">
+            <a:schemeClr val="accent1"/>
+          </a:effectRef>
+          <a:fontRef idx="minor">
+            <a:schemeClr val="tx1"/>
+          </a:fontRef>
+        </p:style>
+      </p:cxnSp>
+      <p:sp>
+        <p:nvSpPr>
+          <p:cNvPr id="144" name="TextBox 143"/>
+          <p:cNvSpPr txBox="1"/>
+          <p:nvPr/>
+        </p:nvSpPr>
+        <p:spPr>
+          <a:xfrm>
+            <a:off x="3153074" y="2989259"/>
+            <a:ext cx="495300" cy="276999"/>
+          </a:xfrm>
+          <a:prstGeom prst="rect">
+            <a:avLst/>
+          </a:prstGeom>
+          <a:noFill/>
+        </p:spPr>
+        <p:txBody>
+          <a:bodyPr wrap="square" rtlCol="0">
+            <a:spAutoFit/>
+          </a:bodyPr>
+          <a:lstStyle/>
+          <a:p>
+            <a:r>
+              <a:rPr lang="en-US" sz="1200" dirty="0" smtClean="0"/>
+              <a:t>Edge</a:t>
+            </a:r>
+            <a:endParaRPr lang="en-US" sz="1200" dirty="0"/>
+          </a:p>
+        </p:txBody>
+      </p:sp>
+      <p:sp>
+        <p:nvSpPr>
+          <p:cNvPr id="145" name="TextBox 144"/>
+          <p:cNvSpPr txBox="1"/>
+          <p:nvPr/>
+        </p:nvSpPr>
+        <p:spPr>
+          <a:xfrm>
+            <a:off x="3990329" y="3324799"/>
+            <a:ext cx="495300" cy="276999"/>
+          </a:xfrm>
+          <a:prstGeom prst="rect">
+            <a:avLst/>
+          </a:prstGeom>
+          <a:noFill/>
+        </p:spPr>
+        <p:txBody>
+          <a:bodyPr wrap="square" rtlCol="0">
+            <a:spAutoFit/>
+          </a:bodyPr>
+          <a:lstStyle/>
+          <a:p>
+            <a:r>
+              <a:rPr lang="en-US" sz="1200" dirty="0" smtClean="0"/>
+              <a:t>Edge</a:t>
+            </a:r>
+            <a:endParaRPr lang="en-US" sz="1200" dirty="0"/>
+          </a:p>
+        </p:txBody>
+      </p:sp>
+      <p:sp>
+        <p:nvSpPr>
+          <p:cNvPr id="146" name="TextBox 145"/>
+          <p:cNvSpPr txBox="1"/>
+          <p:nvPr/>
+        </p:nvSpPr>
+        <p:spPr>
+          <a:xfrm>
+            <a:off x="4815829" y="3654999"/>
+            <a:ext cx="495300" cy="276999"/>
+          </a:xfrm>
+          <a:prstGeom prst="rect">
+            <a:avLst/>
+          </a:prstGeom>
+          <a:noFill/>
+        </p:spPr>
+        <p:txBody>
+          <a:bodyPr wrap="square" rtlCol="0">
+            <a:spAutoFit/>
+          </a:bodyPr>
+          <a:lstStyle/>
+          <a:p>
+            <a:r>
+              <a:rPr lang="en-US" sz="1200" dirty="0" smtClean="0"/>
+              <a:t>Edge</a:t>
+            </a:r>
+            <a:endParaRPr lang="en-US" sz="1200" dirty="0"/>
+          </a:p>
+        </p:txBody>
+      </p:sp>
+      <p:sp>
+        <p:nvSpPr>
+          <p:cNvPr id="147" name="TextBox 146"/>
+          <p:cNvSpPr txBox="1"/>
+          <p:nvPr/>
+        </p:nvSpPr>
+        <p:spPr>
+          <a:xfrm>
+            <a:off x="5615929" y="4023299"/>
+            <a:ext cx="495300" cy="276999"/>
+          </a:xfrm>
+          <a:prstGeom prst="rect">
+            <a:avLst/>
+          </a:prstGeom>
+          <a:noFill/>
+        </p:spPr>
+        <p:txBody>
+          <a:bodyPr wrap="square" rtlCol="0">
+            <a:spAutoFit/>
+          </a:bodyPr>
+          <a:lstStyle/>
+          <a:p>
+            <a:r>
+              <a:rPr lang="en-US" sz="1200" dirty="0" smtClean="0"/>
+              <a:t>Edge</a:t>
+            </a:r>
+            <a:endParaRPr lang="en-US" sz="1200" dirty="0"/>
+          </a:p>
+        </p:txBody>
+      </p:sp>
+      <p:cxnSp>
+        <p:nvCxnSpPr>
+          <p:cNvPr id="149" name="Straight Connector 148"/>
+          <p:cNvCxnSpPr/>
+          <p:nvPr/>
+        </p:nvCxnSpPr>
+        <p:spPr>
+          <a:xfrm>
+            <a:off x="2421530" y="2611132"/>
+            <a:ext cx="0" cy="2730500"/>
+          </a:xfrm>
+          <a:prstGeom prst="line">
+            <a:avLst/>
+          </a:prstGeom>
+          <a:ln>
+            <a:solidFill>
+              <a:schemeClr val="bg1">
+                <a:lumMod val="65000"/>
+              </a:schemeClr>
+            </a:solidFill>
+            <a:prstDash val="dash"/>
+          </a:ln>
+        </p:spPr>
+        <p:style>
+          <a:lnRef idx="1">
+            <a:schemeClr val="accent1"/>
+          </a:lnRef>
+          <a:fillRef idx="0">
+            <a:schemeClr val="accent1"/>
+          </a:fillRef>
+          <a:effectRef idx="0">
+            <a:schemeClr val="accent1"/>
+          </a:effectRef>
+          <a:fontRef idx="minor">
+            <a:schemeClr val="tx1"/>
+          </a:fontRef>
+        </p:style>
+      </p:cxnSp>
+      <p:cxnSp>
+        <p:nvCxnSpPr>
+          <p:cNvPr id="151" name="Straight Connector 150"/>
+          <p:cNvCxnSpPr/>
+          <p:nvPr/>
+        </p:nvCxnSpPr>
+        <p:spPr>
+          <a:xfrm>
+            <a:off x="3209757" y="2579448"/>
+            <a:ext cx="0" cy="2730500"/>
+          </a:xfrm>
+          <a:prstGeom prst="line">
+            <a:avLst/>
+          </a:prstGeom>
+          <a:ln>
+            <a:solidFill>
+              <a:schemeClr val="bg1">
+                <a:lumMod val="65000"/>
+              </a:schemeClr>
+            </a:solidFill>
+            <a:prstDash val="dash"/>
+          </a:ln>
+        </p:spPr>
+        <p:style>
+          <a:lnRef idx="1">
+            <a:schemeClr val="accent1"/>
+          </a:lnRef>
+          <a:fillRef idx="0">
+            <a:schemeClr val="accent1"/>
+          </a:fillRef>
+          <a:effectRef idx="0">
+            <a:schemeClr val="accent1"/>
+          </a:effectRef>
+          <a:fontRef idx="minor">
+            <a:schemeClr val="tx1"/>
+          </a:fontRef>
+        </p:style>
+      </p:cxnSp>
+      <p:cxnSp>
+        <p:nvCxnSpPr>
+          <p:cNvPr id="152" name="Straight Connector 151"/>
+          <p:cNvCxnSpPr/>
+          <p:nvPr/>
+        </p:nvCxnSpPr>
+        <p:spPr>
+          <a:xfrm>
+            <a:off x="4032717" y="2566748"/>
+            <a:ext cx="0" cy="2730500"/>
+          </a:xfrm>
+          <a:prstGeom prst="line">
+            <a:avLst/>
+          </a:prstGeom>
+          <a:ln>
+            <a:solidFill>
+              <a:schemeClr val="bg1">
+                <a:lumMod val="65000"/>
+              </a:schemeClr>
+            </a:solidFill>
+            <a:prstDash val="dash"/>
+          </a:ln>
+        </p:spPr>
+        <p:style>
+          <a:lnRef idx="1">
+            <a:schemeClr val="accent1"/>
+          </a:lnRef>
+          <a:fillRef idx="0">
+            <a:schemeClr val="accent1"/>
+          </a:fillRef>
+          <a:effectRef idx="0">
+            <a:schemeClr val="accent1"/>
+          </a:effectRef>
+          <a:fontRef idx="minor">
+            <a:schemeClr val="tx1"/>
+          </a:fontRef>
+        </p:style>
+      </p:cxnSp>
+      <p:cxnSp>
+        <p:nvCxnSpPr>
+          <p:cNvPr id="153" name="Straight Connector 152"/>
+          <p:cNvCxnSpPr/>
+          <p:nvPr/>
+        </p:nvCxnSpPr>
+        <p:spPr>
+          <a:xfrm>
+            <a:off x="4841229" y="2579448"/>
+            <a:ext cx="0" cy="2730500"/>
+          </a:xfrm>
+          <a:prstGeom prst="line">
+            <a:avLst/>
+          </a:prstGeom>
+          <a:ln>
+            <a:solidFill>
+              <a:schemeClr val="bg1">
+                <a:lumMod val="65000"/>
+              </a:schemeClr>
+            </a:solidFill>
+            <a:prstDash val="dash"/>
+          </a:ln>
+        </p:spPr>
+        <p:style>
+          <a:lnRef idx="1">
+            <a:schemeClr val="accent1"/>
+          </a:lnRef>
+          <a:fillRef idx="0">
+            <a:schemeClr val="accent1"/>
+          </a:fillRef>
+          <a:effectRef idx="0">
+            <a:schemeClr val="accent1"/>
+          </a:effectRef>
+          <a:fontRef idx="minor">
+            <a:schemeClr val="tx1"/>
+          </a:fontRef>
+        </p:style>
+      </p:cxnSp>
+      <p:cxnSp>
+        <p:nvCxnSpPr>
+          <p:cNvPr id="154" name="Straight Connector 153"/>
+          <p:cNvCxnSpPr/>
+          <p:nvPr/>
+        </p:nvCxnSpPr>
+        <p:spPr>
+          <a:xfrm>
+            <a:off x="5668004" y="2579448"/>
+            <a:ext cx="0" cy="2730500"/>
+          </a:xfrm>
+          <a:prstGeom prst="line">
+            <a:avLst/>
+          </a:prstGeom>
+          <a:ln>
+            <a:solidFill>
+              <a:schemeClr val="bg1">
+                <a:lumMod val="65000"/>
+              </a:schemeClr>
+            </a:solidFill>
+            <a:prstDash val="dash"/>
+          </a:ln>
+        </p:spPr>
+        <p:style>
+          <a:lnRef idx="1">
+            <a:schemeClr val="accent1"/>
+          </a:lnRef>
+          <a:fillRef idx="0">
+            <a:schemeClr val="accent1"/>
+          </a:fillRef>
+          <a:effectRef idx="0">
+            <a:schemeClr val="accent1"/>
+          </a:effectRef>
+          <a:fontRef idx="minor">
+            <a:schemeClr val="tx1"/>
+          </a:fontRef>
+        </p:style>
+      </p:cxnSp>
+      <p:cxnSp>
+        <p:nvCxnSpPr>
+          <p:cNvPr id="155" name="Straight Connector 154"/>
+          <p:cNvCxnSpPr/>
+          <p:nvPr/>
+        </p:nvCxnSpPr>
+        <p:spPr>
+          <a:xfrm>
+            <a:off x="6478914" y="2602586"/>
+            <a:ext cx="0" cy="2730500"/>
+          </a:xfrm>
+          <a:prstGeom prst="line">
+            <a:avLst/>
+          </a:prstGeom>
+          <a:ln>
+            <a:solidFill>
+              <a:schemeClr val="bg1">
+                <a:lumMod val="65000"/>
+              </a:schemeClr>
+            </a:solidFill>
+            <a:prstDash val="dash"/>
+          </a:ln>
+        </p:spPr>
+        <p:style>
+          <a:lnRef idx="1">
+            <a:schemeClr val="accent1"/>
+          </a:lnRef>
+          <a:fillRef idx="0">
+            <a:schemeClr val="accent1"/>
+          </a:fillRef>
+          <a:effectRef idx="0">
+            <a:schemeClr val="accent1"/>
+          </a:effectRef>
+          <a:fontRef idx="minor">
+            <a:schemeClr val="tx1"/>
+          </a:fontRef>
+        </p:style>
+      </p:cxnSp>
+      <p:sp>
+        <p:nvSpPr>
+          <p:cNvPr id="156" name="TextBox 155"/>
+          <p:cNvSpPr txBox="1"/>
+          <p:nvPr/>
+        </p:nvSpPr>
+        <p:spPr>
+          <a:xfrm>
+            <a:off x="2408949" y="4737100"/>
+            <a:ext cx="788227" cy="430887"/>
+          </a:xfrm>
+          <a:prstGeom prst="rect">
+            <a:avLst/>
+          </a:prstGeom>
+          <a:noFill/>
+        </p:spPr>
+        <p:txBody>
+          <a:bodyPr wrap="square" rtlCol="0">
+            <a:spAutoFit/>
+          </a:bodyPr>
+          <a:lstStyle/>
+          <a:p>
+            <a:pPr algn="ctr"/>
+            <a:r>
+              <a:rPr lang="en-US" sz="1100" dirty="0" smtClean="0"/>
+              <a:t>RMA=1</a:t>
+            </a:r>
+          </a:p>
+          <a:p>
+            <a:pPr algn="ctr"/>
+            <a:r>
+              <a:rPr lang="en-US" sz="1100" dirty="0" smtClean="0"/>
+              <a:t>Cache=0</a:t>
+            </a:r>
+            <a:endParaRPr lang="en-US" sz="1100" dirty="0"/>
+          </a:p>
+        </p:txBody>
+      </p:sp>
+      <p:sp>
+        <p:nvSpPr>
+          <p:cNvPr id="159" name="TextBox 158"/>
+          <p:cNvSpPr txBox="1"/>
+          <p:nvPr/>
+        </p:nvSpPr>
+        <p:spPr>
+          <a:xfrm>
+            <a:off x="3222228" y="4737100"/>
+            <a:ext cx="788227" cy="430887"/>
+          </a:xfrm>
+          <a:prstGeom prst="rect">
+            <a:avLst/>
+          </a:prstGeom>
+          <a:noFill/>
+        </p:spPr>
+        <p:txBody>
+          <a:bodyPr wrap="square" rtlCol="0">
+            <a:spAutoFit/>
+          </a:bodyPr>
+          <a:lstStyle/>
+          <a:p>
+            <a:pPr algn="ctr"/>
+            <a:r>
+              <a:rPr lang="en-US" sz="1100" dirty="0" smtClean="0"/>
+              <a:t>RMA=1</a:t>
+            </a:r>
+          </a:p>
+          <a:p>
+            <a:pPr algn="ctr"/>
+            <a:r>
+              <a:rPr lang="en-US" sz="1100" dirty="0" smtClean="0"/>
+              <a:t>Cache=1</a:t>
+            </a:r>
+            <a:endParaRPr lang="en-US" sz="1100" dirty="0"/>
+          </a:p>
+        </p:txBody>
+      </p:sp>
+      <p:sp>
+        <p:nvSpPr>
+          <p:cNvPr id="160" name="TextBox 159"/>
+          <p:cNvSpPr txBox="1"/>
+          <p:nvPr/>
+        </p:nvSpPr>
+        <p:spPr>
+          <a:xfrm>
+            <a:off x="4022741" y="4737099"/>
+            <a:ext cx="788227" cy="430887"/>
+          </a:xfrm>
+          <a:prstGeom prst="rect">
+            <a:avLst/>
+          </a:prstGeom>
+          <a:noFill/>
+        </p:spPr>
+        <p:txBody>
+          <a:bodyPr wrap="square" rtlCol="0">
+            <a:spAutoFit/>
+          </a:bodyPr>
+          <a:lstStyle/>
+          <a:p>
+            <a:pPr algn="ctr"/>
+            <a:r>
+              <a:rPr lang="en-US" sz="1100" dirty="0" smtClean="0"/>
+              <a:t>RMA=1</a:t>
+            </a:r>
+          </a:p>
+          <a:p>
+            <a:pPr algn="ctr"/>
+            <a:r>
+              <a:rPr lang="en-US" sz="1100" dirty="0" smtClean="0"/>
+              <a:t>Cache=2</a:t>
+            </a:r>
+            <a:endParaRPr lang="en-US" sz="1100" dirty="0"/>
+          </a:p>
+        </p:txBody>
+      </p:sp>
+      <p:sp>
+        <p:nvSpPr>
+          <p:cNvPr id="161" name="TextBox 160"/>
+          <p:cNvSpPr txBox="1"/>
+          <p:nvPr/>
+        </p:nvSpPr>
+        <p:spPr>
+          <a:xfrm>
+            <a:off x="4873439" y="4737099"/>
+            <a:ext cx="788227" cy="430887"/>
+          </a:xfrm>
+          <a:prstGeom prst="rect">
+            <a:avLst/>
+          </a:prstGeom>
+          <a:noFill/>
+        </p:spPr>
+        <p:txBody>
+          <a:bodyPr wrap="square" rtlCol="0">
+            <a:spAutoFit/>
+          </a:bodyPr>
+          <a:lstStyle/>
+          <a:p>
+            <a:pPr algn="ctr"/>
+            <a:r>
+              <a:rPr lang="en-US" sz="1100" dirty="0" smtClean="0"/>
+              <a:t>RMA=1</a:t>
+            </a:r>
+          </a:p>
+          <a:p>
+            <a:pPr algn="ctr"/>
+            <a:r>
+              <a:rPr lang="en-US" sz="1100" dirty="0" smtClean="0"/>
+              <a:t>Cache=3</a:t>
+            </a:r>
+            <a:endParaRPr lang="en-US" sz="1100" dirty="0"/>
+          </a:p>
+        </p:txBody>
+      </p:sp>
+      <p:sp>
+        <p:nvSpPr>
+          <p:cNvPr id="162" name="TextBox 161"/>
+          <p:cNvSpPr txBox="1"/>
+          <p:nvPr/>
+        </p:nvSpPr>
+        <p:spPr>
+          <a:xfrm>
+            <a:off x="5675501" y="4737099"/>
+            <a:ext cx="788227" cy="430887"/>
+          </a:xfrm>
+          <a:prstGeom prst="rect">
+            <a:avLst/>
+          </a:prstGeom>
+          <a:noFill/>
+        </p:spPr>
+        <p:txBody>
+          <a:bodyPr wrap="square" rtlCol="0">
+            <a:spAutoFit/>
+          </a:bodyPr>
+          <a:lstStyle/>
+          <a:p>
+            <a:pPr algn="ctr"/>
+            <a:r>
+              <a:rPr lang="en-US" sz="1100" dirty="0" smtClean="0"/>
+              <a:t>RMA=1</a:t>
+            </a:r>
+          </a:p>
+          <a:p>
+            <a:pPr algn="ctr"/>
+            <a:r>
+              <a:rPr lang="en-US" sz="1100" dirty="0" smtClean="0"/>
+              <a:t>Cache=4</a:t>
+            </a:r>
+            <a:endParaRPr lang="en-US" sz="1100" dirty="0"/>
+          </a:p>
+        </p:txBody>
+      </p:sp>
+    </p:spTree>
+    <p:extLst>
+      <p:ext uri="{BB962C8B-B14F-4D97-AF65-F5344CB8AC3E}">
+        <p14:creationId xmlns:p14="http://schemas.microsoft.com/office/powerpoint/2010/main" val="52183487"/>
       </p:ext>
     </p:extLst>
   </p:cSld>
